--- a/Mini Project, Data Analysis/DA - Muhammad Fachrul Ghiffari.pptx
+++ b/Mini Project, Data Analysis/DA - Muhammad Fachrul Ghiffari.pptx
@@ -8075,13 +8075,13 @@
               </a:rPr>
             </a:br>
             <a:r>
-              <a:rPr lang="en-US" b="1" dirty="0">
+              <a:rPr lang="en-US" b="1">
                 <a:latin typeface="Plus Jakarta Sans"/>
                 <a:ea typeface="Plus Jakarta Sans"/>
                 <a:cs typeface="Plus Jakarta Sans"/>
                 <a:sym typeface="Plus Jakarta Sans"/>
               </a:rPr>
-              <a:t>Data Science</a:t>
+              <a:t>Data Analysis</a:t>
             </a:r>
             <a:endParaRPr b="1" dirty="0">
               <a:latin typeface="Plus Jakarta Sans"/>
